--- a/Rapport de projet web b2.pptx
+++ b/Rapport de projet web b2.pptx
@@ -5,10 +5,10 @@
     <p:sldMasterId id="2147483648" r:id="rId1"/>
   </p:sldMasterIdLst>
   <p:notesMasterIdLst>
-    <p:notesMasterId r:id="rId15"/>
+    <p:notesMasterId r:id="rId27"/>
   </p:notesMasterIdLst>
   <p:handoutMasterIdLst>
-    <p:handoutMasterId r:id="rId16"/>
+    <p:handoutMasterId r:id="rId28"/>
   </p:handoutMasterIdLst>
   <p:sldIdLst>
     <p:sldId id="273" r:id="rId2"/>
@@ -20,10 +20,22 @@
     <p:sldId id="261" r:id="rId8"/>
     <p:sldId id="262" r:id="rId9"/>
     <p:sldId id="276" r:id="rId10"/>
-    <p:sldId id="277" r:id="rId11"/>
-    <p:sldId id="278" r:id="rId12"/>
-    <p:sldId id="279" r:id="rId13"/>
-    <p:sldId id="280" r:id="rId14"/>
+    <p:sldId id="292" r:id="rId11"/>
+    <p:sldId id="277" r:id="rId12"/>
+    <p:sldId id="278" r:id="rId13"/>
+    <p:sldId id="279" r:id="rId14"/>
+    <p:sldId id="281" r:id="rId15"/>
+    <p:sldId id="282" r:id="rId16"/>
+    <p:sldId id="283" r:id="rId17"/>
+    <p:sldId id="284" r:id="rId18"/>
+    <p:sldId id="285" r:id="rId19"/>
+    <p:sldId id="286" r:id="rId20"/>
+    <p:sldId id="287" r:id="rId21"/>
+    <p:sldId id="288" r:id="rId22"/>
+    <p:sldId id="289" r:id="rId23"/>
+    <p:sldId id="291" r:id="rId24"/>
+    <p:sldId id="280" r:id="rId25"/>
+    <p:sldId id="290" r:id="rId26"/>
   </p:sldIdLst>
   <p:sldSz cx="12192000" cy="6858000"/>
   <p:notesSz cx="6858000" cy="9144000"/>
@@ -12228,6 +12240,101 @@
       </p:grpSpPr>
       <p:sp>
         <p:nvSpPr>
+          <p:cNvPr id="8" name="Title 1">
+            <a:extLst>
+              <a:ext uri="{FF2B5EF4-FFF2-40B4-BE49-F238E27FC236}">
+                <a16:creationId xmlns:a16="http://schemas.microsoft.com/office/drawing/2014/main" id="{31B5C8A3-4056-4166-9D83-F1DD9F25177D}"/>
+              </a:ext>
+            </a:extLst>
+          </p:cNvPr>
+          <p:cNvSpPr>
+            <a:spLocks noGrp="1"/>
+          </p:cNvSpPr>
+          <p:nvPr>
+            <p:ph type="title"/>
+          </p:nvPr>
+        </p:nvSpPr>
+        <p:spPr>
+          <a:xfrm>
+            <a:off x="838200" y="365125"/>
+            <a:ext cx="10515600" cy="1325563"/>
+          </a:xfrm>
+        </p:spPr>
+        <p:txBody>
+          <a:bodyPr/>
+          <a:lstStyle/>
+          <a:p>
+            <a:pPr algn="ctr"/>
+            <a:r>
+              <a:rPr lang="en-US" dirty="0"/>
+              <a:t>Architecture du site</a:t>
+            </a:r>
+          </a:p>
+        </p:txBody>
+      </p:sp>
+      <p:pic>
+        <p:nvPicPr>
+          <p:cNvPr id="3" name="Image 2">
+            <a:extLst>
+              <a:ext uri="{FF2B5EF4-FFF2-40B4-BE49-F238E27FC236}">
+                <a16:creationId xmlns:a16="http://schemas.microsoft.com/office/drawing/2014/main" id="{A5DDA7C6-44FE-45B7-AD2F-F0B5F879FA90}"/>
+              </a:ext>
+            </a:extLst>
+          </p:cNvPr>
+          <p:cNvPicPr>
+            <a:picLocks noChangeAspect="1"/>
+          </p:cNvPicPr>
+          <p:nvPr/>
+        </p:nvPicPr>
+        <p:blipFill>
+          <a:blip r:embed="rId2"/>
+          <a:stretch>
+            <a:fillRect/>
+          </a:stretch>
+        </p:blipFill>
+        <p:spPr>
+          <a:xfrm>
+            <a:off x="1700708" y="1825625"/>
+            <a:ext cx="8790583" cy="4351338"/>
+          </a:xfrm>
+          <a:prstGeom prst="rect">
+            <a:avLst/>
+          </a:prstGeom>
+          <a:noFill/>
+        </p:spPr>
+      </p:pic>
+    </p:spTree>
+    <p:extLst>
+      <p:ext uri="{BB962C8B-B14F-4D97-AF65-F5344CB8AC3E}">
+        <p14:creationId xmlns:p14="http://schemas.microsoft.com/office/powerpoint/2010/main" val="3519039927"/>
+      </p:ext>
+    </p:extLst>
+  </p:cSld>
+  <p:clrMapOvr>
+    <a:masterClrMapping/>
+  </p:clrMapOvr>
+</p:sld>
+</file>
+
+<file path=ppt/slides/slide11.xml><?xml version="1.0" encoding="utf-8"?>
+<p:sld xmlns:a="http://schemas.openxmlformats.org/drawingml/2006/main" xmlns:r="http://schemas.openxmlformats.org/officeDocument/2006/relationships" xmlns:p="http://schemas.openxmlformats.org/presentationml/2006/main">
+  <p:cSld>
+    <p:spTree>
+      <p:nvGrpSpPr>
+        <p:cNvPr id="1" name=""/>
+        <p:cNvGrpSpPr/>
+        <p:nvPr/>
+      </p:nvGrpSpPr>
+      <p:grpSpPr>
+        <a:xfrm>
+          <a:off x="0" y="0"/>
+          <a:ext cx="0" cy="0"/>
+          <a:chOff x="0" y="0"/>
+          <a:chExt cx="0" cy="0"/>
+        </a:xfrm>
+      </p:grpSpPr>
+      <p:sp>
+        <p:nvSpPr>
           <p:cNvPr id="2" name="Titre 1">
             <a:extLst>
               <a:ext uri="{FF2B5EF4-FFF2-40B4-BE49-F238E27FC236}">
@@ -12254,15 +12361,16 @@
           </a:bodyPr>
           <a:lstStyle/>
           <a:p>
-            <a:r>
-              <a:rPr lang="fr-FR"/>
+            <a:pPr algn="ctr"/>
+            <a:r>
+              <a:rPr lang="fr-FR" dirty="0"/>
               <a:t>Création du projet </a:t>
             </a:r>
             <a:r>
-              <a:rPr lang="fr-FR" err="1"/>
+              <a:rPr lang="fr-FR" dirty="0" err="1"/>
               <a:t>Laravel</a:t>
             </a:r>
-            <a:endParaRPr lang="fr-FR"/>
+            <a:endParaRPr lang="fr-FR" dirty="0"/>
           </a:p>
         </p:txBody>
       </p:sp>
@@ -12315,12 +12423,14 @@
         </p:nvSpPr>
         <p:spPr>
           <a:xfrm>
-            <a:off x="5821017" y="1825625"/>
-            <a:ext cx="6264966" cy="4351338"/>
+            <a:off x="5821016" y="1825625"/>
+            <a:ext cx="6705375" cy="4351338"/>
           </a:xfrm>
         </p:spPr>
         <p:txBody>
-          <a:bodyPr/>
+          <a:bodyPr>
+            <a:normAutofit fontScale="85000" lnSpcReduction="20000"/>
+          </a:bodyPr>
           <a:lstStyle/>
           <a:p>
             <a:r>
@@ -12403,9 +12513,6 @@
             <a:endParaRPr lang="en-US" dirty="0"/>
           </a:p>
           <a:p>
-            <a:pPr marL="0" indent="0">
-              <a:buNone/>
-            </a:pPr>
             <a:r>
               <a:rPr lang="en-US" dirty="0"/>
               <a:t>Creation/Modification de </a:t>
@@ -12425,15 +12532,9 @@
             <a:endParaRPr lang="en-US" dirty="0"/>
           </a:p>
           <a:p>
-            <a:pPr marL="0" indent="0">
-              <a:buNone/>
-            </a:pPr>
             <a:endParaRPr lang="en-US" dirty="0"/>
           </a:p>
           <a:p>
-            <a:pPr marL="0" indent="0">
-              <a:buNone/>
-            </a:pPr>
             <a:r>
               <a:rPr lang="en-US" dirty="0"/>
               <a:t>Creation/Modification de </a:t>
@@ -12456,15 +12557,9 @@
             </a:r>
           </a:p>
           <a:p>
-            <a:pPr marL="0" indent="0">
-              <a:buNone/>
-            </a:pPr>
             <a:endParaRPr lang="en-US" dirty="0"/>
           </a:p>
           <a:p>
-            <a:pPr marL="0" indent="0">
-              <a:buNone/>
-            </a:pPr>
             <a:r>
               <a:rPr lang="fr-FR" dirty="0"/>
               <a:t>Connexion</a:t>
@@ -12488,6 +12583,85 @@
             <a:r>
               <a:rPr lang="fr-FR" dirty="0" err="1"/>
               <a:t>env</a:t>
+            </a:r>
+            <a:endParaRPr lang="fr-FR" dirty="0"/>
+          </a:p>
+          <a:p>
+            <a:endParaRPr lang="fr-FR" dirty="0"/>
+          </a:p>
+          <a:p>
+            <a:r>
+              <a:rPr lang="fr-FR" dirty="0"/>
+              <a:t>Création de </a:t>
+            </a:r>
+            <a:r>
+              <a:rPr lang="fr-FR" dirty="0" err="1"/>
+              <a:t>Models</a:t>
+            </a:r>
+            <a:r>
+              <a:rPr lang="fr-FR" dirty="0"/>
+              <a:t>/Controller : </a:t>
+            </a:r>
+            <a:r>
+              <a:rPr lang="fr-FR" dirty="0" err="1"/>
+              <a:t>php</a:t>
+            </a:r>
+            <a:r>
+              <a:rPr lang="fr-FR" dirty="0"/>
+              <a:t> artisan </a:t>
+            </a:r>
+            <a:r>
+              <a:rPr lang="fr-FR" dirty="0" err="1"/>
+              <a:t>make</a:t>
+            </a:r>
+            <a:r>
+              <a:rPr lang="fr-FR" dirty="0"/>
+              <a:t>:?? (</a:t>
+            </a:r>
+            <a:r>
+              <a:rPr lang="fr-FR" dirty="0" err="1"/>
+              <a:t>nom_du_fichier</a:t>
+            </a:r>
+            <a:r>
+              <a:rPr lang="fr-FR" dirty="0"/>
+              <a:t>)</a:t>
+            </a:r>
+          </a:p>
+          <a:p>
+            <a:endParaRPr lang="fr-FR" dirty="0"/>
+          </a:p>
+          <a:p>
+            <a:r>
+              <a:rPr lang="fr-FR" dirty="0"/>
+              <a:t>Création des tables ainsi que la </a:t>
+            </a:r>
+            <a:r>
+              <a:rPr lang="fr-FR" dirty="0" err="1"/>
+              <a:t>dataseeder</a:t>
+            </a:r>
+            <a:r>
+              <a:rPr lang="fr-FR" dirty="0"/>
+              <a:t> : </a:t>
+            </a:r>
+            <a:r>
+              <a:rPr lang="fr-FR" dirty="0" err="1"/>
+              <a:t>php</a:t>
+            </a:r>
+            <a:r>
+              <a:rPr lang="fr-FR" dirty="0"/>
+              <a:t> </a:t>
+            </a:r>
+            <a:r>
+              <a:rPr lang="fr-FR" dirty="0" err="1"/>
+              <a:t>migrate:fresh</a:t>
+            </a:r>
+            <a:r>
+              <a:rPr lang="fr-FR" dirty="0"/>
+              <a:t> --</a:t>
+            </a:r>
+            <a:r>
+              <a:rPr lang="fr-FR" dirty="0" err="1"/>
+              <a:t>seed</a:t>
             </a:r>
             <a:endParaRPr lang="fr-FR" dirty="0"/>
           </a:p>
@@ -12530,7 +12704,7 @@
 </p:sld>
 </file>
 
-<file path=ppt/slides/slide11.xml><?xml version="1.0" encoding="utf-8"?>
+<file path=ppt/slides/slide12.xml><?xml version="1.0" encoding="utf-8"?>
 <p:sld xmlns:a="http://schemas.openxmlformats.org/drawingml/2006/main" xmlns:r="http://schemas.openxmlformats.org/officeDocument/2006/relationships" xmlns:p="http://schemas.openxmlformats.org/presentationml/2006/main">
   <p:cSld>
     <p:spTree>
@@ -12620,7 +12794,7 @@
 </p:sld>
 </file>
 
-<file path=ppt/slides/slide12.xml><?xml version="1.0" encoding="utf-8"?>
+<file path=ppt/slides/slide13.xml><?xml version="1.0" encoding="utf-8"?>
 <p:sld xmlns:a="http://schemas.openxmlformats.org/drawingml/2006/main" xmlns:r="http://schemas.openxmlformats.org/officeDocument/2006/relationships" xmlns:p="http://schemas.openxmlformats.org/presentationml/2006/main">
   <p:cSld>
     <p:spTree>
@@ -12843,7 +13017,7 @@
 </p:sld>
 </file>
 
-<file path=ppt/slides/slide13.xml><?xml version="1.0" encoding="utf-8"?>
+<file path=ppt/slides/slide14.xml><?xml version="1.0" encoding="utf-8"?>
 <p:sld xmlns:a="http://schemas.openxmlformats.org/drawingml/2006/main" xmlns:r="http://schemas.openxmlformats.org/officeDocument/2006/relationships" xmlns:p="http://schemas.openxmlformats.org/presentationml/2006/main">
   <p:cSld>
     <p:spTree>
@@ -12862,10 +13036,10 @@
       </p:grpSpPr>
       <p:sp>
         <p:nvSpPr>
-          <p:cNvPr id="2" name="Titre 1">
+          <p:cNvPr id="8" name="Title 1">
             <a:extLst>
               <a:ext uri="{FF2B5EF4-FFF2-40B4-BE49-F238E27FC236}">
-                <a16:creationId xmlns:a16="http://schemas.microsoft.com/office/drawing/2014/main" id="{8E4B2CC8-CD46-4D27-AECB-7081F5912CA1}"/>
+                <a16:creationId xmlns:a16="http://schemas.microsoft.com/office/drawing/2014/main" id="{560B2669-CBB6-45E6-8DC4-25DBE2FD5AE9}"/>
               </a:ext>
             </a:extLst>
           </p:cNvPr>
@@ -12878,7 +13052,7 @@
         </p:nvSpPr>
         <p:spPr>
           <a:xfrm>
-            <a:off x="838200" y="2766218"/>
+            <a:off x="838200" y="365125"/>
             <a:ext cx="10515600" cy="1325563"/>
           </a:xfrm>
         </p:spPr>
@@ -12888,16 +13062,532 @@
           <a:p>
             <a:pPr algn="ctr"/>
             <a:r>
-              <a:rPr lang="fr-FR" dirty="0"/>
-              <a:t>Présentation du site</a:t>
+              <a:rPr lang="en-US" dirty="0"/>
+              <a:t>Aperçu general du site</a:t>
             </a:r>
           </a:p>
         </p:txBody>
       </p:sp>
+      <p:pic>
+        <p:nvPicPr>
+          <p:cNvPr id="3" name="Image 2">
+            <a:extLst>
+              <a:ext uri="{FF2B5EF4-FFF2-40B4-BE49-F238E27FC236}">
+                <a16:creationId xmlns:a16="http://schemas.microsoft.com/office/drawing/2014/main" id="{6D49F952-21FE-4A06-8242-2A510E7CDE1D}"/>
+              </a:ext>
+            </a:extLst>
+          </p:cNvPr>
+          <p:cNvPicPr>
+            <a:picLocks noChangeAspect="1"/>
+          </p:cNvPicPr>
+          <p:nvPr/>
+        </p:nvPicPr>
+        <p:blipFill>
+          <a:blip r:embed="rId2"/>
+          <a:stretch>
+            <a:fillRect/>
+          </a:stretch>
+        </p:blipFill>
+        <p:spPr>
+          <a:xfrm>
+            <a:off x="838200" y="1898174"/>
+            <a:ext cx="10515600" cy="4206240"/>
+          </a:xfrm>
+          <a:prstGeom prst="rect">
+            <a:avLst/>
+          </a:prstGeom>
+          <a:noFill/>
+        </p:spPr>
+      </p:pic>
     </p:spTree>
     <p:extLst>
       <p:ext uri="{BB962C8B-B14F-4D97-AF65-F5344CB8AC3E}">
-        <p14:creationId xmlns:p14="http://schemas.microsoft.com/office/powerpoint/2010/main" val="1047267614"/>
+        <p14:creationId xmlns:p14="http://schemas.microsoft.com/office/powerpoint/2010/main" val="2640324111"/>
+      </p:ext>
+    </p:extLst>
+  </p:cSld>
+  <p:clrMapOvr>
+    <a:masterClrMapping/>
+  </p:clrMapOvr>
+</p:sld>
+</file>
+
+<file path=ppt/slides/slide15.xml><?xml version="1.0" encoding="utf-8"?>
+<p:sld xmlns:a="http://schemas.openxmlformats.org/drawingml/2006/main" xmlns:r="http://schemas.openxmlformats.org/officeDocument/2006/relationships" xmlns:p="http://schemas.openxmlformats.org/presentationml/2006/main">
+  <p:cSld>
+    <p:spTree>
+      <p:nvGrpSpPr>
+        <p:cNvPr id="1" name=""/>
+        <p:cNvGrpSpPr/>
+        <p:nvPr/>
+      </p:nvGrpSpPr>
+      <p:grpSpPr>
+        <a:xfrm>
+          <a:off x="0" y="0"/>
+          <a:ext cx="0" cy="0"/>
+          <a:chOff x="0" y="0"/>
+          <a:chExt cx="0" cy="0"/>
+        </a:xfrm>
+      </p:grpSpPr>
+      <p:sp>
+        <p:nvSpPr>
+          <p:cNvPr id="8" name="Title 1">
+            <a:extLst>
+              <a:ext uri="{FF2B5EF4-FFF2-40B4-BE49-F238E27FC236}">
+                <a16:creationId xmlns:a16="http://schemas.microsoft.com/office/drawing/2014/main" id="{9C50B781-43DF-4975-A37E-34FDECB2C79E}"/>
+              </a:ext>
+            </a:extLst>
+          </p:cNvPr>
+          <p:cNvSpPr>
+            <a:spLocks noGrp="1"/>
+          </p:cNvSpPr>
+          <p:nvPr>
+            <p:ph type="title"/>
+          </p:nvPr>
+        </p:nvSpPr>
+        <p:spPr>
+          <a:xfrm>
+            <a:off x="838200" y="365125"/>
+            <a:ext cx="10515600" cy="1325563"/>
+          </a:xfrm>
+        </p:spPr>
+        <p:txBody>
+          <a:bodyPr/>
+          <a:lstStyle/>
+          <a:p>
+            <a:pPr algn="ctr"/>
+            <a:r>
+              <a:rPr lang="en-US" dirty="0"/>
+              <a:t>Page Catalogue</a:t>
+            </a:r>
+          </a:p>
+        </p:txBody>
+      </p:sp>
+      <p:pic>
+        <p:nvPicPr>
+          <p:cNvPr id="3" name="Image 2">
+            <a:extLst>
+              <a:ext uri="{FF2B5EF4-FFF2-40B4-BE49-F238E27FC236}">
+                <a16:creationId xmlns:a16="http://schemas.microsoft.com/office/drawing/2014/main" id="{5EA82239-CDF6-47B2-B265-3577D4AECF74}"/>
+              </a:ext>
+            </a:extLst>
+          </p:cNvPr>
+          <p:cNvPicPr>
+            <a:picLocks noChangeAspect="1"/>
+          </p:cNvPicPr>
+          <p:nvPr/>
+        </p:nvPicPr>
+        <p:blipFill>
+          <a:blip r:embed="rId2"/>
+          <a:stretch>
+            <a:fillRect/>
+          </a:stretch>
+        </p:blipFill>
+        <p:spPr>
+          <a:xfrm>
+            <a:off x="1340438" y="1825625"/>
+            <a:ext cx="9511123" cy="4351338"/>
+          </a:xfrm>
+          <a:prstGeom prst="rect">
+            <a:avLst/>
+          </a:prstGeom>
+          <a:noFill/>
+        </p:spPr>
+      </p:pic>
+    </p:spTree>
+    <p:extLst>
+      <p:ext uri="{BB962C8B-B14F-4D97-AF65-F5344CB8AC3E}">
+        <p14:creationId xmlns:p14="http://schemas.microsoft.com/office/powerpoint/2010/main" val="3493315357"/>
+      </p:ext>
+    </p:extLst>
+  </p:cSld>
+  <p:clrMapOvr>
+    <a:masterClrMapping/>
+  </p:clrMapOvr>
+</p:sld>
+</file>
+
+<file path=ppt/slides/slide16.xml><?xml version="1.0" encoding="utf-8"?>
+<p:sld xmlns:a="http://schemas.openxmlformats.org/drawingml/2006/main" xmlns:r="http://schemas.openxmlformats.org/officeDocument/2006/relationships" xmlns:p="http://schemas.openxmlformats.org/presentationml/2006/main">
+  <p:cSld>
+    <p:spTree>
+      <p:nvGrpSpPr>
+        <p:cNvPr id="1" name=""/>
+        <p:cNvGrpSpPr/>
+        <p:nvPr/>
+      </p:nvGrpSpPr>
+      <p:grpSpPr>
+        <a:xfrm>
+          <a:off x="0" y="0"/>
+          <a:ext cx="0" cy="0"/>
+          <a:chOff x="0" y="0"/>
+          <a:chExt cx="0" cy="0"/>
+        </a:xfrm>
+      </p:grpSpPr>
+      <p:sp>
+        <p:nvSpPr>
+          <p:cNvPr id="9" name="Title 1">
+            <a:extLst>
+              <a:ext uri="{FF2B5EF4-FFF2-40B4-BE49-F238E27FC236}">
+                <a16:creationId xmlns:a16="http://schemas.microsoft.com/office/drawing/2014/main" id="{6957B391-A401-4BF2-AFBC-1EEE9FCC266F}"/>
+              </a:ext>
+            </a:extLst>
+          </p:cNvPr>
+          <p:cNvSpPr>
+            <a:spLocks noGrp="1"/>
+          </p:cNvSpPr>
+          <p:nvPr>
+            <p:ph type="title"/>
+          </p:nvPr>
+        </p:nvSpPr>
+        <p:spPr>
+          <a:xfrm>
+            <a:off x="838200" y="365125"/>
+            <a:ext cx="10515600" cy="1325563"/>
+          </a:xfrm>
+        </p:spPr>
+        <p:txBody>
+          <a:bodyPr/>
+          <a:lstStyle/>
+          <a:p>
+            <a:pPr algn="ctr"/>
+            <a:r>
+              <a:rPr lang="en-US" dirty="0"/>
+              <a:t>Page </a:t>
+            </a:r>
+            <a:r>
+              <a:rPr lang="en-US" dirty="0" err="1"/>
+              <a:t>Produit</a:t>
+            </a:r>
+            <a:endParaRPr lang="en-US" dirty="0"/>
+          </a:p>
+        </p:txBody>
+      </p:sp>
+      <p:pic>
+        <p:nvPicPr>
+          <p:cNvPr id="4" name="Image 3">
+            <a:extLst>
+              <a:ext uri="{FF2B5EF4-FFF2-40B4-BE49-F238E27FC236}">
+                <a16:creationId xmlns:a16="http://schemas.microsoft.com/office/drawing/2014/main" id="{C90F5699-61A2-4C96-9A10-E06BCB455216}"/>
+              </a:ext>
+            </a:extLst>
+          </p:cNvPr>
+          <p:cNvPicPr>
+            <a:picLocks noChangeAspect="1"/>
+          </p:cNvPicPr>
+          <p:nvPr/>
+        </p:nvPicPr>
+        <p:blipFill>
+          <a:blip r:embed="rId2"/>
+          <a:stretch>
+            <a:fillRect/>
+          </a:stretch>
+        </p:blipFill>
+        <p:spPr>
+          <a:xfrm>
+            <a:off x="1287892" y="1825625"/>
+            <a:ext cx="9616215" cy="4351338"/>
+          </a:xfrm>
+          <a:prstGeom prst="rect">
+            <a:avLst/>
+          </a:prstGeom>
+          <a:noFill/>
+        </p:spPr>
+      </p:pic>
+    </p:spTree>
+    <p:extLst>
+      <p:ext uri="{BB962C8B-B14F-4D97-AF65-F5344CB8AC3E}">
+        <p14:creationId xmlns:p14="http://schemas.microsoft.com/office/powerpoint/2010/main" val="2346996869"/>
+      </p:ext>
+    </p:extLst>
+  </p:cSld>
+  <p:clrMapOvr>
+    <a:masterClrMapping/>
+  </p:clrMapOvr>
+</p:sld>
+</file>
+
+<file path=ppt/slides/slide17.xml><?xml version="1.0" encoding="utf-8"?>
+<p:sld xmlns:a="http://schemas.openxmlformats.org/drawingml/2006/main" xmlns:r="http://schemas.openxmlformats.org/officeDocument/2006/relationships" xmlns:p="http://schemas.openxmlformats.org/presentationml/2006/main">
+  <p:cSld>
+    <p:spTree>
+      <p:nvGrpSpPr>
+        <p:cNvPr id="1" name=""/>
+        <p:cNvGrpSpPr/>
+        <p:nvPr/>
+      </p:nvGrpSpPr>
+      <p:grpSpPr>
+        <a:xfrm>
+          <a:off x="0" y="0"/>
+          <a:ext cx="0" cy="0"/>
+          <a:chOff x="0" y="0"/>
+          <a:chExt cx="0" cy="0"/>
+        </a:xfrm>
+      </p:grpSpPr>
+      <p:sp>
+        <p:nvSpPr>
+          <p:cNvPr id="8" name="Title 1">
+            <a:extLst>
+              <a:ext uri="{FF2B5EF4-FFF2-40B4-BE49-F238E27FC236}">
+                <a16:creationId xmlns:a16="http://schemas.microsoft.com/office/drawing/2014/main" id="{223D4C61-FD51-406B-8B8D-2468D6094A7B}"/>
+              </a:ext>
+            </a:extLst>
+          </p:cNvPr>
+          <p:cNvSpPr>
+            <a:spLocks noGrp="1"/>
+          </p:cNvSpPr>
+          <p:nvPr>
+            <p:ph type="title"/>
+          </p:nvPr>
+        </p:nvSpPr>
+        <p:spPr>
+          <a:xfrm>
+            <a:off x="838200" y="365125"/>
+            <a:ext cx="10515600" cy="1325563"/>
+          </a:xfrm>
+        </p:spPr>
+        <p:txBody>
+          <a:bodyPr/>
+          <a:lstStyle/>
+          <a:p>
+            <a:pPr algn="ctr"/>
+            <a:r>
+              <a:rPr lang="en-US" dirty="0"/>
+              <a:t>Page inscription</a:t>
+            </a:r>
+          </a:p>
+        </p:txBody>
+      </p:sp>
+      <p:pic>
+        <p:nvPicPr>
+          <p:cNvPr id="3" name="Image 2">
+            <a:extLst>
+              <a:ext uri="{FF2B5EF4-FFF2-40B4-BE49-F238E27FC236}">
+                <a16:creationId xmlns:a16="http://schemas.microsoft.com/office/drawing/2014/main" id="{5D54B54C-8A1A-477A-9941-AA08C690A1A9}"/>
+              </a:ext>
+            </a:extLst>
+          </p:cNvPr>
+          <p:cNvPicPr>
+            <a:picLocks noChangeAspect="1"/>
+          </p:cNvPicPr>
+          <p:nvPr/>
+        </p:nvPicPr>
+        <p:blipFill>
+          <a:blip r:embed="rId2"/>
+          <a:stretch>
+            <a:fillRect/>
+          </a:stretch>
+        </p:blipFill>
+        <p:spPr>
+          <a:xfrm>
+            <a:off x="1234170" y="1825625"/>
+            <a:ext cx="9723660" cy="4351338"/>
+          </a:xfrm>
+          <a:prstGeom prst="rect">
+            <a:avLst/>
+          </a:prstGeom>
+          <a:noFill/>
+        </p:spPr>
+      </p:pic>
+    </p:spTree>
+    <p:extLst>
+      <p:ext uri="{BB962C8B-B14F-4D97-AF65-F5344CB8AC3E}">
+        <p14:creationId xmlns:p14="http://schemas.microsoft.com/office/powerpoint/2010/main" val="112802561"/>
+      </p:ext>
+    </p:extLst>
+  </p:cSld>
+  <p:clrMapOvr>
+    <a:masterClrMapping/>
+  </p:clrMapOvr>
+</p:sld>
+</file>
+
+<file path=ppt/slides/slide18.xml><?xml version="1.0" encoding="utf-8"?>
+<p:sld xmlns:a="http://schemas.openxmlformats.org/drawingml/2006/main" xmlns:r="http://schemas.openxmlformats.org/officeDocument/2006/relationships" xmlns:p="http://schemas.openxmlformats.org/presentationml/2006/main">
+  <p:cSld>
+    <p:spTree>
+      <p:nvGrpSpPr>
+        <p:cNvPr id="1" name=""/>
+        <p:cNvGrpSpPr/>
+        <p:nvPr/>
+      </p:nvGrpSpPr>
+      <p:grpSpPr>
+        <a:xfrm>
+          <a:off x="0" y="0"/>
+          <a:ext cx="0" cy="0"/>
+          <a:chOff x="0" y="0"/>
+          <a:chExt cx="0" cy="0"/>
+        </a:xfrm>
+      </p:grpSpPr>
+      <p:sp>
+        <p:nvSpPr>
+          <p:cNvPr id="9" name="Title 1">
+            <a:extLst>
+              <a:ext uri="{FF2B5EF4-FFF2-40B4-BE49-F238E27FC236}">
+                <a16:creationId xmlns:a16="http://schemas.microsoft.com/office/drawing/2014/main" id="{5E156E1C-B755-46DA-855A-6FFE75502AF9}"/>
+              </a:ext>
+            </a:extLst>
+          </p:cNvPr>
+          <p:cNvSpPr>
+            <a:spLocks noGrp="1"/>
+          </p:cNvSpPr>
+          <p:nvPr>
+            <p:ph type="title"/>
+          </p:nvPr>
+        </p:nvSpPr>
+        <p:spPr>
+          <a:xfrm>
+            <a:off x="838200" y="365125"/>
+            <a:ext cx="10515600" cy="1325563"/>
+          </a:xfrm>
+        </p:spPr>
+        <p:txBody>
+          <a:bodyPr/>
+          <a:lstStyle/>
+          <a:p>
+            <a:pPr algn="ctr"/>
+            <a:r>
+              <a:rPr lang="en-US" dirty="0"/>
+              <a:t>Page </a:t>
+            </a:r>
+            <a:r>
+              <a:rPr lang="en-US" dirty="0" err="1"/>
+              <a:t>Connexion</a:t>
+            </a:r>
+            <a:endParaRPr lang="en-US" dirty="0"/>
+          </a:p>
+        </p:txBody>
+      </p:sp>
+      <p:pic>
+        <p:nvPicPr>
+          <p:cNvPr id="4" name="Image 3">
+            <a:extLst>
+              <a:ext uri="{FF2B5EF4-FFF2-40B4-BE49-F238E27FC236}">
+                <a16:creationId xmlns:a16="http://schemas.microsoft.com/office/drawing/2014/main" id="{D685110D-E442-4ABB-B953-23D1E7EA60E8}"/>
+              </a:ext>
+            </a:extLst>
+          </p:cNvPr>
+          <p:cNvPicPr>
+            <a:picLocks noChangeAspect="1"/>
+          </p:cNvPicPr>
+          <p:nvPr/>
+        </p:nvPicPr>
+        <p:blipFill>
+          <a:blip r:embed="rId2"/>
+          <a:stretch>
+            <a:fillRect/>
+          </a:stretch>
+        </p:blipFill>
+        <p:spPr>
+          <a:xfrm>
+            <a:off x="838200" y="2134775"/>
+            <a:ext cx="10515600" cy="3733038"/>
+          </a:xfrm>
+          <a:prstGeom prst="rect">
+            <a:avLst/>
+          </a:prstGeom>
+          <a:noFill/>
+        </p:spPr>
+      </p:pic>
+    </p:spTree>
+    <p:extLst>
+      <p:ext uri="{BB962C8B-B14F-4D97-AF65-F5344CB8AC3E}">
+        <p14:creationId xmlns:p14="http://schemas.microsoft.com/office/powerpoint/2010/main" val="117726516"/>
+      </p:ext>
+    </p:extLst>
+  </p:cSld>
+  <p:clrMapOvr>
+    <a:masterClrMapping/>
+  </p:clrMapOvr>
+</p:sld>
+</file>
+
+<file path=ppt/slides/slide19.xml><?xml version="1.0" encoding="utf-8"?>
+<p:sld xmlns:a="http://schemas.openxmlformats.org/drawingml/2006/main" xmlns:r="http://schemas.openxmlformats.org/officeDocument/2006/relationships" xmlns:p="http://schemas.openxmlformats.org/presentationml/2006/main">
+  <p:cSld>
+    <p:spTree>
+      <p:nvGrpSpPr>
+        <p:cNvPr id="1" name=""/>
+        <p:cNvGrpSpPr/>
+        <p:nvPr/>
+      </p:nvGrpSpPr>
+      <p:grpSpPr>
+        <a:xfrm>
+          <a:off x="0" y="0"/>
+          <a:ext cx="0" cy="0"/>
+          <a:chOff x="0" y="0"/>
+          <a:chExt cx="0" cy="0"/>
+        </a:xfrm>
+      </p:grpSpPr>
+      <p:sp>
+        <p:nvSpPr>
+          <p:cNvPr id="9" name="Title 1">
+            <a:extLst>
+              <a:ext uri="{FF2B5EF4-FFF2-40B4-BE49-F238E27FC236}">
+                <a16:creationId xmlns:a16="http://schemas.microsoft.com/office/drawing/2014/main" id="{D04D6D0B-AE07-434D-85CB-282AA34E5309}"/>
+              </a:ext>
+            </a:extLst>
+          </p:cNvPr>
+          <p:cNvSpPr>
+            <a:spLocks noGrp="1"/>
+          </p:cNvSpPr>
+          <p:nvPr>
+            <p:ph type="title"/>
+          </p:nvPr>
+        </p:nvSpPr>
+        <p:spPr>
+          <a:xfrm>
+            <a:off x="838200" y="365125"/>
+            <a:ext cx="10515600" cy="1325563"/>
+          </a:xfrm>
+        </p:spPr>
+        <p:txBody>
+          <a:bodyPr/>
+          <a:lstStyle/>
+          <a:p>
+            <a:pPr algn="ctr"/>
+            <a:r>
+              <a:rPr lang="en-US" dirty="0"/>
+              <a:t>Page contact</a:t>
+            </a:r>
+          </a:p>
+        </p:txBody>
+      </p:sp>
+      <p:pic>
+        <p:nvPicPr>
+          <p:cNvPr id="4" name="Image 3">
+            <a:extLst>
+              <a:ext uri="{FF2B5EF4-FFF2-40B4-BE49-F238E27FC236}">
+                <a16:creationId xmlns:a16="http://schemas.microsoft.com/office/drawing/2014/main" id="{804297B9-65E4-4F03-8F28-1235E48E82F6}"/>
+              </a:ext>
+            </a:extLst>
+          </p:cNvPr>
+          <p:cNvPicPr>
+            <a:picLocks noChangeAspect="1"/>
+          </p:cNvPicPr>
+          <p:nvPr/>
+        </p:nvPicPr>
+        <p:blipFill>
+          <a:blip r:embed="rId2"/>
+          <a:stretch>
+            <a:fillRect/>
+          </a:stretch>
+        </p:blipFill>
+        <p:spPr>
+          <a:xfrm>
+            <a:off x="838200" y="1963897"/>
+            <a:ext cx="10515600" cy="4074794"/>
+          </a:xfrm>
+          <a:prstGeom prst="rect">
+            <a:avLst/>
+          </a:prstGeom>
+          <a:noFill/>
+        </p:spPr>
+      </p:pic>
+    </p:spTree>
+    <p:extLst>
+      <p:ext uri="{BB962C8B-B14F-4D97-AF65-F5344CB8AC3E}">
+        <p14:creationId xmlns:p14="http://schemas.microsoft.com/office/powerpoint/2010/main" val="84474559"/>
       </p:ext>
     </p:extLst>
   </p:cSld>
@@ -12992,6 +13682,513 @@
     <p:extLst>
       <p:ext uri="{BB962C8B-B14F-4D97-AF65-F5344CB8AC3E}">
         <p14:creationId xmlns:p14="http://schemas.microsoft.com/office/powerpoint/2010/main" val="1686371798"/>
+      </p:ext>
+    </p:extLst>
+  </p:cSld>
+  <p:clrMapOvr>
+    <a:masterClrMapping/>
+  </p:clrMapOvr>
+</p:sld>
+</file>
+
+<file path=ppt/slides/slide20.xml><?xml version="1.0" encoding="utf-8"?>
+<p:sld xmlns:a="http://schemas.openxmlformats.org/drawingml/2006/main" xmlns:r="http://schemas.openxmlformats.org/officeDocument/2006/relationships" xmlns:p="http://schemas.openxmlformats.org/presentationml/2006/main">
+  <p:cSld>
+    <p:spTree>
+      <p:nvGrpSpPr>
+        <p:cNvPr id="1" name=""/>
+        <p:cNvGrpSpPr/>
+        <p:nvPr/>
+      </p:nvGrpSpPr>
+      <p:grpSpPr>
+        <a:xfrm>
+          <a:off x="0" y="0"/>
+          <a:ext cx="0" cy="0"/>
+          <a:chOff x="0" y="0"/>
+          <a:chExt cx="0" cy="0"/>
+        </a:xfrm>
+      </p:grpSpPr>
+      <p:sp>
+        <p:nvSpPr>
+          <p:cNvPr id="9" name="Title 1">
+            <a:extLst>
+              <a:ext uri="{FF2B5EF4-FFF2-40B4-BE49-F238E27FC236}">
+                <a16:creationId xmlns:a16="http://schemas.microsoft.com/office/drawing/2014/main" id="{FC8544AF-4C95-4DCB-8B00-0ED0EDF58727}"/>
+              </a:ext>
+            </a:extLst>
+          </p:cNvPr>
+          <p:cNvSpPr>
+            <a:spLocks noGrp="1"/>
+          </p:cNvSpPr>
+          <p:nvPr>
+            <p:ph type="title"/>
+          </p:nvPr>
+        </p:nvSpPr>
+        <p:spPr>
+          <a:xfrm>
+            <a:off x="838200" y="365125"/>
+            <a:ext cx="10515600" cy="1325563"/>
+          </a:xfrm>
+        </p:spPr>
+        <p:txBody>
+          <a:bodyPr/>
+          <a:lstStyle/>
+          <a:p>
+            <a:pPr algn="ctr"/>
+            <a:r>
+              <a:rPr lang="en-US" dirty="0"/>
+              <a:t>Page panier</a:t>
+            </a:r>
+          </a:p>
+        </p:txBody>
+      </p:sp>
+      <p:pic>
+        <p:nvPicPr>
+          <p:cNvPr id="4" name="Image 3">
+            <a:extLst>
+              <a:ext uri="{FF2B5EF4-FFF2-40B4-BE49-F238E27FC236}">
+                <a16:creationId xmlns:a16="http://schemas.microsoft.com/office/drawing/2014/main" id="{0E5A86CB-F8AA-4F4F-92C0-25DBD1E07250}"/>
+              </a:ext>
+            </a:extLst>
+          </p:cNvPr>
+          <p:cNvPicPr>
+            <a:picLocks noChangeAspect="1"/>
+          </p:cNvPicPr>
+          <p:nvPr/>
+        </p:nvPicPr>
+        <p:blipFill>
+          <a:blip r:embed="rId2"/>
+          <a:stretch>
+            <a:fillRect/>
+          </a:stretch>
+        </p:blipFill>
+        <p:spPr>
+          <a:xfrm>
+            <a:off x="1366286" y="1825625"/>
+            <a:ext cx="9459428" cy="4351338"/>
+          </a:xfrm>
+          <a:prstGeom prst="rect">
+            <a:avLst/>
+          </a:prstGeom>
+          <a:noFill/>
+        </p:spPr>
+      </p:pic>
+    </p:spTree>
+    <p:extLst>
+      <p:ext uri="{BB962C8B-B14F-4D97-AF65-F5344CB8AC3E}">
+        <p14:creationId xmlns:p14="http://schemas.microsoft.com/office/powerpoint/2010/main" val="2665652154"/>
+      </p:ext>
+    </p:extLst>
+  </p:cSld>
+  <p:clrMapOvr>
+    <a:masterClrMapping/>
+  </p:clrMapOvr>
+</p:sld>
+</file>
+
+<file path=ppt/slides/slide21.xml><?xml version="1.0" encoding="utf-8"?>
+<p:sld xmlns:a="http://schemas.openxmlformats.org/drawingml/2006/main" xmlns:r="http://schemas.openxmlformats.org/officeDocument/2006/relationships" xmlns:p="http://schemas.openxmlformats.org/presentationml/2006/main">
+  <p:cSld>
+    <p:spTree>
+      <p:nvGrpSpPr>
+        <p:cNvPr id="1" name=""/>
+        <p:cNvGrpSpPr/>
+        <p:nvPr/>
+      </p:nvGrpSpPr>
+      <p:grpSpPr>
+        <a:xfrm>
+          <a:off x="0" y="0"/>
+          <a:ext cx="0" cy="0"/>
+          <a:chOff x="0" y="0"/>
+          <a:chExt cx="0" cy="0"/>
+        </a:xfrm>
+      </p:grpSpPr>
+      <p:sp>
+        <p:nvSpPr>
+          <p:cNvPr id="9" name="Title 1">
+            <a:extLst>
+              <a:ext uri="{FF2B5EF4-FFF2-40B4-BE49-F238E27FC236}">
+                <a16:creationId xmlns:a16="http://schemas.microsoft.com/office/drawing/2014/main" id="{0D99F62C-D839-4CAC-B4B9-B4C51F313C94}"/>
+              </a:ext>
+            </a:extLst>
+          </p:cNvPr>
+          <p:cNvSpPr>
+            <a:spLocks noGrp="1"/>
+          </p:cNvSpPr>
+          <p:nvPr>
+            <p:ph type="title"/>
+          </p:nvPr>
+        </p:nvSpPr>
+        <p:spPr>
+          <a:xfrm>
+            <a:off x="838200" y="365125"/>
+            <a:ext cx="10515600" cy="1325563"/>
+          </a:xfrm>
+        </p:spPr>
+        <p:txBody>
+          <a:bodyPr/>
+          <a:lstStyle/>
+          <a:p>
+            <a:pPr algn="ctr"/>
+            <a:r>
+              <a:rPr lang="en-US" dirty="0"/>
+              <a:t>Page admin</a:t>
+            </a:r>
+          </a:p>
+        </p:txBody>
+      </p:sp>
+      <p:pic>
+        <p:nvPicPr>
+          <p:cNvPr id="4" name="Image 3">
+            <a:extLst>
+              <a:ext uri="{FF2B5EF4-FFF2-40B4-BE49-F238E27FC236}">
+                <a16:creationId xmlns:a16="http://schemas.microsoft.com/office/drawing/2014/main" id="{75FE1069-B61F-4E1D-A7C3-7D8E3AF6CCC2}"/>
+              </a:ext>
+            </a:extLst>
+          </p:cNvPr>
+          <p:cNvPicPr>
+            <a:picLocks noChangeAspect="1"/>
+          </p:cNvPicPr>
+          <p:nvPr/>
+        </p:nvPicPr>
+        <p:blipFill>
+          <a:blip r:embed="rId2"/>
+          <a:stretch>
+            <a:fillRect/>
+          </a:stretch>
+        </p:blipFill>
+        <p:spPr>
+          <a:xfrm>
+            <a:off x="1261179" y="1825625"/>
+            <a:ext cx="9669642" cy="4351338"/>
+          </a:xfrm>
+          <a:prstGeom prst="rect">
+            <a:avLst/>
+          </a:prstGeom>
+          <a:noFill/>
+        </p:spPr>
+      </p:pic>
+    </p:spTree>
+    <p:extLst>
+      <p:ext uri="{BB962C8B-B14F-4D97-AF65-F5344CB8AC3E}">
+        <p14:creationId xmlns:p14="http://schemas.microsoft.com/office/powerpoint/2010/main" val="2571120937"/>
+      </p:ext>
+    </p:extLst>
+  </p:cSld>
+  <p:clrMapOvr>
+    <a:masterClrMapping/>
+  </p:clrMapOvr>
+</p:sld>
+</file>
+
+<file path=ppt/slides/slide22.xml><?xml version="1.0" encoding="utf-8"?>
+<p:sld xmlns:a="http://schemas.openxmlformats.org/drawingml/2006/main" xmlns:r="http://schemas.openxmlformats.org/officeDocument/2006/relationships" xmlns:p="http://schemas.openxmlformats.org/presentationml/2006/main">
+  <p:cSld>
+    <p:spTree>
+      <p:nvGrpSpPr>
+        <p:cNvPr id="1" name=""/>
+        <p:cNvGrpSpPr/>
+        <p:nvPr/>
+      </p:nvGrpSpPr>
+      <p:grpSpPr>
+        <a:xfrm>
+          <a:off x="0" y="0"/>
+          <a:ext cx="0" cy="0"/>
+          <a:chOff x="0" y="0"/>
+          <a:chExt cx="0" cy="0"/>
+        </a:xfrm>
+      </p:grpSpPr>
+      <p:sp>
+        <p:nvSpPr>
+          <p:cNvPr id="8" name="Title 1">
+            <a:extLst>
+              <a:ext uri="{FF2B5EF4-FFF2-40B4-BE49-F238E27FC236}">
+                <a16:creationId xmlns:a16="http://schemas.microsoft.com/office/drawing/2014/main" id="{CC5B4A78-8BAA-451F-926A-AB769847E368}"/>
+              </a:ext>
+            </a:extLst>
+          </p:cNvPr>
+          <p:cNvSpPr>
+            <a:spLocks noGrp="1"/>
+          </p:cNvSpPr>
+          <p:nvPr>
+            <p:ph type="title"/>
+          </p:nvPr>
+        </p:nvSpPr>
+        <p:spPr>
+          <a:xfrm>
+            <a:off x="838200" y="365125"/>
+            <a:ext cx="10515600" cy="1325563"/>
+          </a:xfrm>
+        </p:spPr>
+        <p:txBody>
+          <a:bodyPr/>
+          <a:lstStyle/>
+          <a:p>
+            <a:endParaRPr lang="en-US"/>
+          </a:p>
+        </p:txBody>
+      </p:sp>
+      <p:pic>
+        <p:nvPicPr>
+          <p:cNvPr id="3" name="Image 2" descr="Une image contenant table&#10;&#10;Description générée automatiquement">
+            <a:extLst>
+              <a:ext uri="{FF2B5EF4-FFF2-40B4-BE49-F238E27FC236}">
+                <a16:creationId xmlns:a16="http://schemas.microsoft.com/office/drawing/2014/main" id="{DC796441-5618-410C-9A6C-FA58E0B84E02}"/>
+              </a:ext>
+            </a:extLst>
+          </p:cNvPr>
+          <p:cNvPicPr>
+            <a:picLocks noChangeAspect="1"/>
+          </p:cNvPicPr>
+          <p:nvPr/>
+        </p:nvPicPr>
+        <p:blipFill rotWithShape="1">
+          <a:blip r:embed="rId2"/>
+          <a:srcRect b="11487"/>
+          <a:stretch/>
+        </p:blipFill>
+        <p:spPr>
+          <a:xfrm>
+            <a:off x="838200" y="1825625"/>
+            <a:ext cx="10515600" cy="4351338"/>
+          </a:xfrm>
+          <a:prstGeom prst="rect">
+            <a:avLst/>
+          </a:prstGeom>
+          <a:noFill/>
+        </p:spPr>
+      </p:pic>
+    </p:spTree>
+    <p:extLst>
+      <p:ext uri="{BB962C8B-B14F-4D97-AF65-F5344CB8AC3E}">
+        <p14:creationId xmlns:p14="http://schemas.microsoft.com/office/powerpoint/2010/main" val="135466495"/>
+      </p:ext>
+    </p:extLst>
+  </p:cSld>
+  <p:clrMapOvr>
+    <a:masterClrMapping/>
+  </p:clrMapOvr>
+</p:sld>
+</file>
+
+<file path=ppt/slides/slide23.xml><?xml version="1.0" encoding="utf-8"?>
+<p:sld xmlns:a="http://schemas.openxmlformats.org/drawingml/2006/main" xmlns:r="http://schemas.openxmlformats.org/officeDocument/2006/relationships" xmlns:p="http://schemas.openxmlformats.org/presentationml/2006/main">
+  <p:cSld>
+    <p:spTree>
+      <p:nvGrpSpPr>
+        <p:cNvPr id="1" name=""/>
+        <p:cNvGrpSpPr/>
+        <p:nvPr/>
+      </p:nvGrpSpPr>
+      <p:grpSpPr>
+        <a:xfrm>
+          <a:off x="0" y="0"/>
+          <a:ext cx="0" cy="0"/>
+          <a:chOff x="0" y="0"/>
+          <a:chExt cx="0" cy="0"/>
+        </a:xfrm>
+      </p:grpSpPr>
+      <p:sp>
+        <p:nvSpPr>
+          <p:cNvPr id="8" name="Title 1">
+            <a:extLst>
+              <a:ext uri="{FF2B5EF4-FFF2-40B4-BE49-F238E27FC236}">
+                <a16:creationId xmlns:a16="http://schemas.microsoft.com/office/drawing/2014/main" id="{65C9F8D7-7DC7-49E6-95CB-8E23C1062770}"/>
+              </a:ext>
+            </a:extLst>
+          </p:cNvPr>
+          <p:cNvSpPr>
+            <a:spLocks noGrp="1"/>
+          </p:cNvSpPr>
+          <p:nvPr>
+            <p:ph type="title"/>
+          </p:nvPr>
+        </p:nvSpPr>
+        <p:spPr>
+          <a:xfrm>
+            <a:off x="838200" y="365125"/>
+            <a:ext cx="10515600" cy="1325563"/>
+          </a:xfrm>
+        </p:spPr>
+        <p:txBody>
+          <a:bodyPr/>
+          <a:lstStyle/>
+          <a:p>
+            <a:endParaRPr lang="en-US"/>
+          </a:p>
+        </p:txBody>
+      </p:sp>
+      <p:pic>
+        <p:nvPicPr>
+          <p:cNvPr id="3" name="Image 2">
+            <a:extLst>
+              <a:ext uri="{FF2B5EF4-FFF2-40B4-BE49-F238E27FC236}">
+                <a16:creationId xmlns:a16="http://schemas.microsoft.com/office/drawing/2014/main" id="{61A5F9D9-1E02-44C3-8BD3-E4CE55A78DF2}"/>
+              </a:ext>
+            </a:extLst>
+          </p:cNvPr>
+          <p:cNvPicPr>
+            <a:picLocks noChangeAspect="1"/>
+          </p:cNvPicPr>
+          <p:nvPr/>
+        </p:nvPicPr>
+        <p:blipFill>
+          <a:blip r:embed="rId2"/>
+          <a:stretch>
+            <a:fillRect/>
+          </a:stretch>
+        </p:blipFill>
+        <p:spPr>
+          <a:xfrm>
+            <a:off x="838200" y="2069053"/>
+            <a:ext cx="10515600" cy="3864481"/>
+          </a:xfrm>
+          <a:prstGeom prst="rect">
+            <a:avLst/>
+          </a:prstGeom>
+          <a:noFill/>
+        </p:spPr>
+      </p:pic>
+    </p:spTree>
+    <p:extLst>
+      <p:ext uri="{BB962C8B-B14F-4D97-AF65-F5344CB8AC3E}">
+        <p14:creationId xmlns:p14="http://schemas.microsoft.com/office/powerpoint/2010/main" val="3915605659"/>
+      </p:ext>
+    </p:extLst>
+  </p:cSld>
+  <p:clrMapOvr>
+    <a:masterClrMapping/>
+  </p:clrMapOvr>
+</p:sld>
+</file>
+
+<file path=ppt/slides/slide24.xml><?xml version="1.0" encoding="utf-8"?>
+<p:sld xmlns:a="http://schemas.openxmlformats.org/drawingml/2006/main" xmlns:r="http://schemas.openxmlformats.org/officeDocument/2006/relationships" xmlns:p="http://schemas.openxmlformats.org/presentationml/2006/main">
+  <p:cSld>
+    <p:spTree>
+      <p:nvGrpSpPr>
+        <p:cNvPr id="1" name=""/>
+        <p:cNvGrpSpPr/>
+        <p:nvPr/>
+      </p:nvGrpSpPr>
+      <p:grpSpPr>
+        <a:xfrm>
+          <a:off x="0" y="0"/>
+          <a:ext cx="0" cy="0"/>
+          <a:chOff x="0" y="0"/>
+          <a:chExt cx="0" cy="0"/>
+        </a:xfrm>
+      </p:grpSpPr>
+      <p:sp>
+        <p:nvSpPr>
+          <p:cNvPr id="2" name="Titre 1">
+            <a:extLst>
+              <a:ext uri="{FF2B5EF4-FFF2-40B4-BE49-F238E27FC236}">
+                <a16:creationId xmlns:a16="http://schemas.microsoft.com/office/drawing/2014/main" id="{8E4B2CC8-CD46-4D27-AECB-7081F5912CA1}"/>
+              </a:ext>
+            </a:extLst>
+          </p:cNvPr>
+          <p:cNvSpPr>
+            <a:spLocks noGrp="1"/>
+          </p:cNvSpPr>
+          <p:nvPr>
+            <p:ph type="title"/>
+          </p:nvPr>
+        </p:nvSpPr>
+        <p:spPr>
+          <a:xfrm>
+            <a:off x="838200" y="2766218"/>
+            <a:ext cx="10515600" cy="1325563"/>
+          </a:xfrm>
+        </p:spPr>
+        <p:txBody>
+          <a:bodyPr/>
+          <a:lstStyle/>
+          <a:p>
+            <a:pPr algn="ctr"/>
+            <a:r>
+              <a:rPr lang="fr-FR" dirty="0"/>
+              <a:t>Présentation du site</a:t>
+            </a:r>
+          </a:p>
+        </p:txBody>
+      </p:sp>
+    </p:spTree>
+    <p:extLst>
+      <p:ext uri="{BB962C8B-B14F-4D97-AF65-F5344CB8AC3E}">
+        <p14:creationId xmlns:p14="http://schemas.microsoft.com/office/powerpoint/2010/main" val="1047267614"/>
+      </p:ext>
+    </p:extLst>
+  </p:cSld>
+  <p:clrMapOvr>
+    <a:masterClrMapping/>
+  </p:clrMapOvr>
+</p:sld>
+</file>
+
+<file path=ppt/slides/slide25.xml><?xml version="1.0" encoding="utf-8"?>
+<p:sld xmlns:a="http://schemas.openxmlformats.org/drawingml/2006/main" xmlns:r="http://schemas.openxmlformats.org/officeDocument/2006/relationships" xmlns:p="http://schemas.openxmlformats.org/presentationml/2006/main">
+  <p:cSld>
+    <p:spTree>
+      <p:nvGrpSpPr>
+        <p:cNvPr id="1" name=""/>
+        <p:cNvGrpSpPr/>
+        <p:nvPr/>
+      </p:nvGrpSpPr>
+      <p:grpSpPr>
+        <a:xfrm>
+          <a:off x="0" y="0"/>
+          <a:ext cx="0" cy="0"/>
+          <a:chOff x="0" y="0"/>
+          <a:chExt cx="0" cy="0"/>
+        </a:xfrm>
+      </p:grpSpPr>
+      <p:sp>
+        <p:nvSpPr>
+          <p:cNvPr id="2" name="Titre 1">
+            <a:extLst>
+              <a:ext uri="{FF2B5EF4-FFF2-40B4-BE49-F238E27FC236}">
+                <a16:creationId xmlns:a16="http://schemas.microsoft.com/office/drawing/2014/main" id="{0EA95CE1-4747-47CC-8723-2AD32AE06FCE}"/>
+              </a:ext>
+            </a:extLst>
+          </p:cNvPr>
+          <p:cNvSpPr>
+            <a:spLocks noGrp="1"/>
+          </p:cNvSpPr>
+          <p:nvPr>
+            <p:ph type="title"/>
+          </p:nvPr>
+        </p:nvSpPr>
+        <p:spPr/>
+        <p:txBody>
+          <a:bodyPr/>
+          <a:lstStyle/>
+          <a:p>
+            <a:r>
+              <a:rPr lang="fr-FR" dirty="0"/>
+              <a:t>Merci</a:t>
+            </a:r>
+            <a:br>
+              <a:rPr lang="fr-FR" dirty="0"/>
+            </a:br>
+            <a:r>
+              <a:rPr lang="fr-FR" dirty="0"/>
+              <a:t>de </a:t>
+            </a:r>
+            <a:br>
+              <a:rPr lang="fr-FR" dirty="0"/>
+            </a:br>
+            <a:r>
+              <a:rPr lang="fr-FR" dirty="0"/>
+              <a:t>attention</a:t>
+            </a:r>
+          </a:p>
+        </p:txBody>
+      </p:sp>
+    </p:spTree>
+    <p:extLst>
+      <p:ext uri="{BB962C8B-B14F-4D97-AF65-F5344CB8AC3E}">
+        <p14:creationId xmlns:p14="http://schemas.microsoft.com/office/powerpoint/2010/main" val="690581464"/>
       </p:ext>
     </p:extLst>
   </p:cSld>
